--- a/schema university/university pr.pptx
+++ b/schema university/university pr.pptx
@@ -5,7 +5,7 @@
     <p:sldMasterId id="2147483648" r:id="rId1"/>
   </p:sldMasterIdLst>
   <p:sldIdLst>
-    <p:sldId id="256" r:id="rId2"/>
+    <p:sldId id="257" r:id="rId2"/>
   </p:sldIdLst>
   <p:sldSz cx="9144000" cy="6858000" type="screen4x3"/>
   <p:notesSz cx="6858000" cy="9144000"/>
@@ -288,7 +288,7 @@
           <a:p>
             <a:fld id="{2EEF4B06-D933-4EFC-9951-6A735F11330D}" type="datetimeFigureOut">
               <a:rPr lang="ko-KR" altLang="en-US" smtClean="0"/>
-              <a:t>2019-04-26</a:t>
+              <a:t>2019-05-03</a:t>
             </a:fld>
             <a:endParaRPr lang="ko-KR" altLang="en-US"/>
           </a:p>
@@ -458,7 +458,7 @@
           <a:p>
             <a:fld id="{2EEF4B06-D933-4EFC-9951-6A735F11330D}" type="datetimeFigureOut">
               <a:rPr lang="ko-KR" altLang="en-US" smtClean="0"/>
-              <a:t>2019-04-26</a:t>
+              <a:t>2019-05-03</a:t>
             </a:fld>
             <a:endParaRPr lang="ko-KR" altLang="en-US"/>
           </a:p>
@@ -638,7 +638,7 @@
           <a:p>
             <a:fld id="{2EEF4B06-D933-4EFC-9951-6A735F11330D}" type="datetimeFigureOut">
               <a:rPr lang="ko-KR" altLang="en-US" smtClean="0"/>
-              <a:t>2019-04-26</a:t>
+              <a:t>2019-05-03</a:t>
             </a:fld>
             <a:endParaRPr lang="ko-KR" altLang="en-US"/>
           </a:p>
@@ -808,7 +808,7 @@
           <a:p>
             <a:fld id="{2EEF4B06-D933-4EFC-9951-6A735F11330D}" type="datetimeFigureOut">
               <a:rPr lang="ko-KR" altLang="en-US" smtClean="0"/>
-              <a:t>2019-04-26</a:t>
+              <a:t>2019-05-03</a:t>
             </a:fld>
             <a:endParaRPr lang="ko-KR" altLang="en-US"/>
           </a:p>
@@ -1054,7 +1054,7 @@
           <a:p>
             <a:fld id="{2EEF4B06-D933-4EFC-9951-6A735F11330D}" type="datetimeFigureOut">
               <a:rPr lang="ko-KR" altLang="en-US" smtClean="0"/>
-              <a:t>2019-04-26</a:t>
+              <a:t>2019-05-03</a:t>
             </a:fld>
             <a:endParaRPr lang="ko-KR" altLang="en-US"/>
           </a:p>
@@ -1342,7 +1342,7 @@
           <a:p>
             <a:fld id="{2EEF4B06-D933-4EFC-9951-6A735F11330D}" type="datetimeFigureOut">
               <a:rPr lang="ko-KR" altLang="en-US" smtClean="0"/>
-              <a:t>2019-04-26</a:t>
+              <a:t>2019-05-03</a:t>
             </a:fld>
             <a:endParaRPr lang="ko-KR" altLang="en-US"/>
           </a:p>
@@ -1764,7 +1764,7 @@
           <a:p>
             <a:fld id="{2EEF4B06-D933-4EFC-9951-6A735F11330D}" type="datetimeFigureOut">
               <a:rPr lang="ko-KR" altLang="en-US" smtClean="0"/>
-              <a:t>2019-04-26</a:t>
+              <a:t>2019-05-03</a:t>
             </a:fld>
             <a:endParaRPr lang="ko-KR" altLang="en-US"/>
           </a:p>
@@ -1882,7 +1882,7 @@
           <a:p>
             <a:fld id="{2EEF4B06-D933-4EFC-9951-6A735F11330D}" type="datetimeFigureOut">
               <a:rPr lang="ko-KR" altLang="en-US" smtClean="0"/>
-              <a:t>2019-04-26</a:t>
+              <a:t>2019-05-03</a:t>
             </a:fld>
             <a:endParaRPr lang="ko-KR" altLang="en-US"/>
           </a:p>
@@ -1977,7 +1977,7 @@
           <a:p>
             <a:fld id="{2EEF4B06-D933-4EFC-9951-6A735F11330D}" type="datetimeFigureOut">
               <a:rPr lang="ko-KR" altLang="en-US" smtClean="0"/>
-              <a:t>2019-04-26</a:t>
+              <a:t>2019-05-03</a:t>
             </a:fld>
             <a:endParaRPr lang="ko-KR" altLang="en-US"/>
           </a:p>
@@ -2254,7 +2254,7 @@
           <a:p>
             <a:fld id="{2EEF4B06-D933-4EFC-9951-6A735F11330D}" type="datetimeFigureOut">
               <a:rPr lang="ko-KR" altLang="en-US" smtClean="0"/>
-              <a:t>2019-04-26</a:t>
+              <a:t>2019-05-03</a:t>
             </a:fld>
             <a:endParaRPr lang="ko-KR" altLang="en-US"/>
           </a:p>
@@ -2507,7 +2507,7 @@
           <a:p>
             <a:fld id="{2EEF4B06-D933-4EFC-9951-6A735F11330D}" type="datetimeFigureOut">
               <a:rPr lang="ko-KR" altLang="en-US" smtClean="0"/>
-              <a:t>2019-04-26</a:t>
+              <a:t>2019-05-03</a:t>
             </a:fld>
             <a:endParaRPr lang="ko-KR" altLang="en-US"/>
           </a:p>
@@ -2720,7 +2720,7 @@
           <a:p>
             <a:fld id="{2EEF4B06-D933-4EFC-9951-6A735F11330D}" type="datetimeFigureOut">
               <a:rPr lang="ko-KR" altLang="en-US" smtClean="0"/>
-              <a:t>2019-04-26</a:t>
+              <a:t>2019-05-03</a:t>
             </a:fld>
             <a:endParaRPr lang="ko-KR" altLang="en-US"/>
           </a:p>
@@ -3097,18 +3097,23 @@
       </p:grpSpPr>
       <p:cxnSp>
         <p:nvCxnSpPr>
-          <p:cNvPr id="59" name="직선 연결선 58"/>
+          <p:cNvPr id="79" name="직선 연결선 78"/>
           <p:cNvCxnSpPr/>
           <p:nvPr/>
         </p:nvCxnSpPr>
         <p:spPr>
           <a:xfrm>
-            <a:off x="839879" y="836712"/>
-            <a:ext cx="528058" cy="528058"/>
+            <a:off x="1072178" y="4592211"/>
+            <a:ext cx="5588054" cy="0"/>
           </a:xfrm>
           <a:prstGeom prst="line">
             <a:avLst/>
           </a:prstGeom>
+          <a:ln>
+            <a:solidFill>
+              <a:schemeClr val="tx1"/>
+            </a:solidFill>
+          </a:ln>
         </p:spPr>
         <p:style>
           <a:lnRef idx="1">
@@ -3127,20 +3132,25 @@
       </p:cxnSp>
       <p:cxnSp>
         <p:nvCxnSpPr>
-          <p:cNvPr id="61" name="직선 연결선 60"/>
+          <p:cNvPr id="77" name="직선 연결선 76"/>
           <p:cNvCxnSpPr>
-            <a:endCxn id="48" idx="4"/>
+            <a:stCxn id="33" idx="2"/>
           </p:cNvCxnSpPr>
           <p:nvPr/>
         </p:nvCxnSpPr>
         <p:spPr>
-          <a:xfrm flipV="1">
-            <a:off x="1791660" y="988279"/>
-            <a:ext cx="0" cy="208473"/>
+          <a:xfrm>
+            <a:off x="4845403" y="1631998"/>
+            <a:ext cx="0" cy="2893261"/>
           </a:xfrm>
           <a:prstGeom prst="line">
             <a:avLst/>
           </a:prstGeom>
+          <a:ln>
+            <a:solidFill>
+              <a:schemeClr val="tx1"/>
+            </a:solidFill>
+          </a:ln>
         </p:spPr>
         <p:style>
           <a:lnRef idx="1">
@@ -3159,168 +3169,23 @@
       </p:cxnSp>
       <p:cxnSp>
         <p:nvCxnSpPr>
-          <p:cNvPr id="63" name="직선 연결선 62"/>
+          <p:cNvPr id="35" name="직선 연결선 34"/>
           <p:cNvCxnSpPr/>
           <p:nvPr/>
         </p:nvCxnSpPr>
         <p:spPr>
-          <a:xfrm flipV="1">
-            <a:off x="2463891" y="836712"/>
-            <a:ext cx="253285" cy="253285"/>
+          <a:xfrm>
+            <a:off x="2338300" y="1327654"/>
+            <a:ext cx="4680246" cy="0"/>
           </a:xfrm>
           <a:prstGeom prst="line">
             <a:avLst/>
           </a:prstGeom>
-        </p:spPr>
-        <p:style>
-          <a:lnRef idx="1">
-            <a:schemeClr val="accent1"/>
-          </a:lnRef>
-          <a:fillRef idx="0">
-            <a:schemeClr val="accent1"/>
-          </a:fillRef>
-          <a:effectRef idx="0">
-            <a:schemeClr val="accent1"/>
-          </a:effectRef>
-          <a:fontRef idx="minor">
-            <a:schemeClr val="tx1"/>
-          </a:fontRef>
-        </p:style>
-      </p:cxnSp>
-      <p:cxnSp>
-        <p:nvCxnSpPr>
-          <p:cNvPr id="65" name="직선 연결선 64"/>
-          <p:cNvCxnSpPr/>
-          <p:nvPr/>
-        </p:nvCxnSpPr>
-        <p:spPr>
-          <a:xfrm>
-            <a:off x="5347232" y="747970"/>
-            <a:ext cx="1206103" cy="616800"/>
-          </a:xfrm>
-          <a:prstGeom prst="line">
-            <a:avLst/>
-          </a:prstGeom>
-        </p:spPr>
-        <p:style>
-          <a:lnRef idx="1">
-            <a:schemeClr val="accent1"/>
-          </a:lnRef>
-          <a:fillRef idx="0">
-            <a:schemeClr val="accent1"/>
-          </a:fillRef>
-          <a:effectRef idx="0">
-            <a:schemeClr val="accent1"/>
-          </a:effectRef>
-          <a:fontRef idx="minor">
-            <a:schemeClr val="tx1"/>
-          </a:fontRef>
-        </p:style>
-      </p:cxnSp>
-      <p:cxnSp>
-        <p:nvCxnSpPr>
-          <p:cNvPr id="67" name="직선 연결선 66"/>
-          <p:cNvCxnSpPr/>
-          <p:nvPr/>
-        </p:nvCxnSpPr>
-        <p:spPr>
-          <a:xfrm>
-            <a:off x="6553335" y="836712"/>
-            <a:ext cx="119192" cy="360040"/>
-          </a:xfrm>
-          <a:prstGeom prst="line">
-            <a:avLst/>
-          </a:prstGeom>
-        </p:spPr>
-        <p:style>
-          <a:lnRef idx="1">
-            <a:schemeClr val="accent1"/>
-          </a:lnRef>
-          <a:fillRef idx="0">
-            <a:schemeClr val="accent1"/>
-          </a:fillRef>
-          <a:effectRef idx="0">
-            <a:schemeClr val="accent1"/>
-          </a:effectRef>
-          <a:fontRef idx="minor">
-            <a:schemeClr val="tx1"/>
-          </a:fontRef>
-        </p:style>
-      </p:cxnSp>
-      <p:cxnSp>
-        <p:nvCxnSpPr>
-          <p:cNvPr id="69" name="직선 연결선 68"/>
-          <p:cNvCxnSpPr/>
-          <p:nvPr/>
-        </p:nvCxnSpPr>
-        <p:spPr>
-          <a:xfrm flipH="1">
-            <a:off x="7248591" y="836712"/>
-            <a:ext cx="142834" cy="264029"/>
-          </a:xfrm>
-          <a:prstGeom prst="line">
-            <a:avLst/>
-          </a:prstGeom>
-        </p:spPr>
-        <p:style>
-          <a:lnRef idx="1">
-            <a:schemeClr val="accent1"/>
-          </a:lnRef>
-          <a:fillRef idx="0">
-            <a:schemeClr val="accent1"/>
-          </a:fillRef>
-          <a:effectRef idx="0">
-            <a:schemeClr val="accent1"/>
-          </a:effectRef>
-          <a:fontRef idx="minor">
-            <a:schemeClr val="tx1"/>
-          </a:fontRef>
-        </p:style>
-      </p:cxnSp>
-      <p:cxnSp>
-        <p:nvCxnSpPr>
-          <p:cNvPr id="71" name="직선 연결선 70"/>
-          <p:cNvCxnSpPr/>
-          <p:nvPr/>
-        </p:nvCxnSpPr>
-        <p:spPr>
-          <a:xfrm flipH="1">
-            <a:off x="7391425" y="836712"/>
-            <a:ext cx="1009294" cy="360040"/>
-          </a:xfrm>
-          <a:prstGeom prst="line">
-            <a:avLst/>
-          </a:prstGeom>
-        </p:spPr>
-        <p:style>
-          <a:lnRef idx="1">
-            <a:schemeClr val="accent1"/>
-          </a:lnRef>
-          <a:fillRef idx="0">
-            <a:schemeClr val="accent1"/>
-          </a:fillRef>
-          <a:effectRef idx="0">
-            <a:schemeClr val="accent1"/>
-          </a:effectRef>
-          <a:fontRef idx="minor">
-            <a:schemeClr val="tx1"/>
-          </a:fontRef>
-        </p:style>
-      </p:cxnSp>
-      <p:cxnSp>
-        <p:nvCxnSpPr>
-          <p:cNvPr id="73" name="직선 연결선 72"/>
-          <p:cNvCxnSpPr/>
-          <p:nvPr/>
-        </p:nvCxnSpPr>
-        <p:spPr>
-          <a:xfrm>
-            <a:off x="3128041" y="2872211"/>
-            <a:ext cx="720080" cy="297488"/>
-          </a:xfrm>
-          <a:prstGeom prst="line">
-            <a:avLst/>
-          </a:prstGeom>
+          <a:ln>
+            <a:solidFill>
+              <a:schemeClr val="tx1"/>
+            </a:solidFill>
+          </a:ln>
         </p:spPr>
         <p:style>
           <a:lnRef idx="1">
@@ -3344,221 +3209,9 @@
           <p:nvPr/>
         </p:nvCxnSpPr>
         <p:spPr>
-          <a:xfrm>
-            <a:off x="4116243" y="2692923"/>
-            <a:ext cx="0" cy="371309"/>
-          </a:xfrm>
-          <a:prstGeom prst="line">
-            <a:avLst/>
-          </a:prstGeom>
-        </p:spPr>
-        <p:style>
-          <a:lnRef idx="1">
-            <a:schemeClr val="accent1"/>
-          </a:lnRef>
-          <a:fillRef idx="0">
-            <a:schemeClr val="accent1"/>
-          </a:fillRef>
-          <a:effectRef idx="0">
-            <a:schemeClr val="accent1"/>
-          </a:effectRef>
-          <a:fontRef idx="minor">
-            <a:schemeClr val="tx1"/>
-          </a:fontRef>
-        </p:style>
-      </p:cxnSp>
-      <p:cxnSp>
-        <p:nvCxnSpPr>
-          <p:cNvPr id="77" name="직선 연결선 76"/>
-          <p:cNvCxnSpPr/>
-          <p:nvPr/>
-        </p:nvCxnSpPr>
-        <p:spPr>
-          <a:xfrm flipH="1">
-            <a:off x="4800319" y="2878577"/>
-            <a:ext cx="52253" cy="185655"/>
-          </a:xfrm>
-          <a:prstGeom prst="line">
-            <a:avLst/>
-          </a:prstGeom>
-        </p:spPr>
-        <p:style>
-          <a:lnRef idx="1">
-            <a:schemeClr val="accent1"/>
-          </a:lnRef>
-          <a:fillRef idx="0">
-            <a:schemeClr val="accent1"/>
-          </a:fillRef>
-          <a:effectRef idx="0">
-            <a:schemeClr val="accent1"/>
-          </a:effectRef>
-          <a:fontRef idx="minor">
-            <a:schemeClr val="tx1"/>
-          </a:fontRef>
-        </p:style>
-      </p:cxnSp>
-      <p:cxnSp>
-        <p:nvCxnSpPr>
-          <p:cNvPr id="79" name="직선 연결선 78"/>
-          <p:cNvCxnSpPr/>
-          <p:nvPr/>
-        </p:nvCxnSpPr>
-        <p:spPr>
-          <a:xfrm flipH="1">
-            <a:off x="5016343" y="2878577"/>
-            <a:ext cx="936104" cy="334399"/>
-          </a:xfrm>
-          <a:prstGeom prst="line">
-            <a:avLst/>
-          </a:prstGeom>
-        </p:spPr>
-        <p:style>
-          <a:lnRef idx="1">
-            <a:schemeClr val="accent1"/>
-          </a:lnRef>
-          <a:fillRef idx="0">
-            <a:schemeClr val="accent1"/>
-          </a:fillRef>
-          <a:effectRef idx="0">
-            <a:schemeClr val="accent1"/>
-          </a:effectRef>
-          <a:fontRef idx="minor">
-            <a:schemeClr val="tx1"/>
-          </a:fontRef>
-        </p:style>
-      </p:cxnSp>
-      <p:cxnSp>
-        <p:nvCxnSpPr>
-          <p:cNvPr id="81" name="직선 연결선 80"/>
-          <p:cNvCxnSpPr/>
-          <p:nvPr/>
-        </p:nvCxnSpPr>
-        <p:spPr>
-          <a:xfrm flipH="1">
-            <a:off x="6464937" y="5345039"/>
-            <a:ext cx="350424" cy="316209"/>
-          </a:xfrm>
-          <a:prstGeom prst="line">
-            <a:avLst/>
-          </a:prstGeom>
-        </p:spPr>
-        <p:style>
-          <a:lnRef idx="1">
-            <a:schemeClr val="accent1"/>
-          </a:lnRef>
-          <a:fillRef idx="0">
-            <a:schemeClr val="accent1"/>
-          </a:fillRef>
-          <a:effectRef idx="0">
-            <a:schemeClr val="accent1"/>
-          </a:effectRef>
-          <a:fontRef idx="minor">
-            <a:schemeClr val="tx1"/>
-          </a:fontRef>
-        </p:style>
-      </p:cxnSp>
-      <p:cxnSp>
-        <p:nvCxnSpPr>
-          <p:cNvPr id="83" name="직선 연결선 82"/>
-          <p:cNvCxnSpPr/>
-          <p:nvPr/>
-        </p:nvCxnSpPr>
-        <p:spPr>
-          <a:xfrm>
-            <a:off x="7391425" y="5157192"/>
-            <a:ext cx="0" cy="504056"/>
-          </a:xfrm>
-          <a:prstGeom prst="line">
-            <a:avLst/>
-          </a:prstGeom>
-        </p:spPr>
-        <p:style>
-          <a:lnRef idx="1">
-            <a:schemeClr val="accent1"/>
-          </a:lnRef>
-          <a:fillRef idx="0">
-            <a:schemeClr val="accent1"/>
-          </a:fillRef>
-          <a:effectRef idx="0">
-            <a:schemeClr val="accent1"/>
-          </a:effectRef>
-          <a:fontRef idx="minor">
-            <a:schemeClr val="tx1"/>
-          </a:fontRef>
-        </p:style>
-      </p:cxnSp>
-      <p:cxnSp>
-        <p:nvCxnSpPr>
-          <p:cNvPr id="85" name="직선 연결선 84"/>
-          <p:cNvCxnSpPr>
-            <a:endCxn id="55" idx="0"/>
-          </p:cNvCxnSpPr>
-          <p:nvPr/>
-        </p:nvCxnSpPr>
-        <p:spPr>
-          <a:xfrm flipH="1">
-            <a:off x="6813768" y="5186898"/>
-            <a:ext cx="360631" cy="823627"/>
-          </a:xfrm>
-          <a:prstGeom prst="line">
-            <a:avLst/>
-          </a:prstGeom>
-        </p:spPr>
-        <p:style>
-          <a:lnRef idx="1">
-            <a:schemeClr val="accent1"/>
-          </a:lnRef>
-          <a:fillRef idx="0">
-            <a:schemeClr val="accent1"/>
-          </a:fillRef>
-          <a:effectRef idx="0">
-            <a:schemeClr val="accent1"/>
-          </a:effectRef>
-          <a:fontRef idx="minor">
-            <a:schemeClr val="tx1"/>
-          </a:fontRef>
-        </p:style>
-      </p:cxnSp>
-      <p:cxnSp>
-        <p:nvCxnSpPr>
-          <p:cNvPr id="87" name="직선 연결선 86"/>
-          <p:cNvCxnSpPr/>
-          <p:nvPr/>
-        </p:nvCxnSpPr>
-        <p:spPr>
-          <a:xfrm>
-            <a:off x="7617725" y="5157192"/>
-            <a:ext cx="576064" cy="1152128"/>
-          </a:xfrm>
-          <a:prstGeom prst="line">
-            <a:avLst/>
-          </a:prstGeom>
-        </p:spPr>
-        <p:style>
-          <a:lnRef idx="1">
-            <a:schemeClr val="accent1"/>
-          </a:lnRef>
-          <a:fillRef idx="0">
-            <a:schemeClr val="accent1"/>
-          </a:fillRef>
-          <a:effectRef idx="0">
-            <a:schemeClr val="accent1"/>
-          </a:effectRef>
-          <a:fontRef idx="minor">
-            <a:schemeClr val="tx1"/>
-          </a:fontRef>
-        </p:style>
-      </p:cxnSp>
-      <p:cxnSp>
-        <p:nvCxnSpPr>
-          <p:cNvPr id="20" name="직선 연결선 19"/>
-          <p:cNvCxnSpPr/>
-          <p:nvPr/>
-        </p:nvCxnSpPr>
-        <p:spPr>
-          <a:xfrm>
-            <a:off x="2228278" y="1399944"/>
-            <a:ext cx="4236659" cy="0"/>
+          <a:xfrm flipV="1">
+            <a:off x="7018546" y="1327654"/>
+            <a:ext cx="0" cy="3197605"/>
           </a:xfrm>
           <a:prstGeom prst="line">
             <a:avLst/>
@@ -3584,201 +3237,79 @@
           </a:fontRef>
         </p:style>
       </p:cxnSp>
-      <p:cxnSp>
-        <p:nvCxnSpPr>
-          <p:cNvPr id="22" name="직선 연결선 21"/>
-          <p:cNvCxnSpPr>
-            <a:stCxn id="6" idx="2"/>
-            <a:endCxn id="9" idx="0"/>
-          </p:cNvCxnSpPr>
+      <p:sp>
+        <p:nvSpPr>
+          <p:cNvPr id="2" name="TextBox 1"/>
+          <p:cNvSpPr txBox="1"/>
           <p:nvPr/>
-        </p:nvCxnSpPr>
-        <p:spPr>
-          <a:xfrm flipH="1">
-            <a:off x="1908048" y="1709892"/>
-            <a:ext cx="11951" cy="1311063"/>
-          </a:xfrm>
-          <a:prstGeom prst="line">
+        </p:nvSpPr>
+        <p:spPr>
+          <a:xfrm>
+            <a:off x="2994298" y="188640"/>
+            <a:ext cx="2861176" cy="430887"/>
+          </a:xfrm>
+          <a:prstGeom prst="rect">
             <a:avLst/>
           </a:prstGeom>
+        </p:spPr>
+        <p:style>
+          <a:lnRef idx="2">
+            <a:schemeClr val="accent1"/>
+          </a:lnRef>
+          <a:fillRef idx="1">
+            <a:schemeClr val="lt1"/>
+          </a:fillRef>
+          <a:effectRef idx="0">
+            <a:schemeClr val="accent1"/>
+          </a:effectRef>
+          <a:fontRef idx="minor">
+            <a:schemeClr val="dk1"/>
+          </a:fontRef>
+        </p:style>
+        <p:txBody>
+          <a:bodyPr wrap="square" rtlCol="0">
+            <a:spAutoFit/>
+          </a:bodyPr>
+          <a:lstStyle/>
+          <a:p>
+            <a:pPr algn="ctr"/>
+            <a:r>
+              <a:rPr lang="ko-KR" altLang="en-US" sz="1100" dirty="0" smtClean="0"/>
+              <a:t>대학교 학생관리 시스템</a:t>
+            </a:r>
+            <a:endParaRPr lang="en-US" altLang="ko-KR" sz="1100" dirty="0" smtClean="0"/>
+          </a:p>
+          <a:p>
+            <a:pPr algn="ctr"/>
+            <a:r>
+              <a:rPr lang="en-US" altLang="ko-KR" sz="1100" dirty="0" smtClean="0"/>
+              <a:t>Student management DB for university</a:t>
+            </a:r>
+          </a:p>
+        </p:txBody>
+      </p:sp>
+      <p:sp>
+        <p:nvSpPr>
+          <p:cNvPr id="3" name="직사각형 2"/>
+          <p:cNvSpPr/>
+          <p:nvPr/>
+        </p:nvSpPr>
+        <p:spPr>
+          <a:xfrm>
+            <a:off x="4327572" y="4382064"/>
+            <a:ext cx="1071586" cy="468819"/>
+          </a:xfrm>
+          <a:prstGeom prst="rect">
+            <a:avLst/>
+          </a:prstGeom>
+          <a:solidFill>
+            <a:schemeClr val="accent1"/>
+          </a:solidFill>
           <a:ln>
             <a:solidFill>
               <a:schemeClr val="tx1"/>
             </a:solidFill>
           </a:ln>
-        </p:spPr>
-        <p:style>
-          <a:lnRef idx="1">
-            <a:schemeClr val="accent1"/>
-          </a:lnRef>
-          <a:fillRef idx="0">
-            <a:schemeClr val="accent1"/>
-          </a:fillRef>
-          <a:effectRef idx="0">
-            <a:schemeClr val="accent1"/>
-          </a:effectRef>
-          <a:fontRef idx="minor">
-            <a:schemeClr val="tx1"/>
-          </a:fontRef>
-        </p:style>
-      </p:cxnSp>
-      <p:cxnSp>
-        <p:nvCxnSpPr>
-          <p:cNvPr id="28" name="직선 연결선 27"/>
-          <p:cNvCxnSpPr/>
-          <p:nvPr/>
-        </p:nvCxnSpPr>
-        <p:spPr>
-          <a:xfrm>
-            <a:off x="2064015" y="3404659"/>
-            <a:ext cx="4104456" cy="0"/>
-          </a:xfrm>
-          <a:prstGeom prst="line">
-            <a:avLst/>
-          </a:prstGeom>
-          <a:ln>
-            <a:solidFill>
-              <a:schemeClr val="tx1"/>
-            </a:solidFill>
-          </a:ln>
-        </p:spPr>
-        <p:style>
-          <a:lnRef idx="1">
-            <a:schemeClr val="accent1"/>
-          </a:lnRef>
-          <a:fillRef idx="0">
-            <a:schemeClr val="accent1"/>
-          </a:fillRef>
-          <a:effectRef idx="0">
-            <a:schemeClr val="accent1"/>
-          </a:effectRef>
-          <a:fontRef idx="minor">
-            <a:schemeClr val="tx1"/>
-          </a:fontRef>
-        </p:style>
-      </p:cxnSp>
-      <p:cxnSp>
-        <p:nvCxnSpPr>
-          <p:cNvPr id="30" name="직선 연결선 29"/>
-          <p:cNvCxnSpPr/>
-          <p:nvPr/>
-        </p:nvCxnSpPr>
-        <p:spPr>
-          <a:xfrm>
-            <a:off x="4368271" y="3404659"/>
-            <a:ext cx="0" cy="1464501"/>
-          </a:xfrm>
-          <a:prstGeom prst="line">
-            <a:avLst/>
-          </a:prstGeom>
-          <a:ln>
-            <a:solidFill>
-              <a:schemeClr val="tx1"/>
-            </a:solidFill>
-          </a:ln>
-        </p:spPr>
-        <p:style>
-          <a:lnRef idx="1">
-            <a:schemeClr val="accent1"/>
-          </a:lnRef>
-          <a:fillRef idx="0">
-            <a:schemeClr val="accent1"/>
-          </a:fillRef>
-          <a:effectRef idx="0">
-            <a:schemeClr val="accent1"/>
-          </a:effectRef>
-          <a:fontRef idx="minor">
-            <a:schemeClr val="tx1"/>
-          </a:fontRef>
-        </p:style>
-      </p:cxnSp>
-      <p:cxnSp>
-        <p:nvCxnSpPr>
-          <p:cNvPr id="32" name="직선 연결선 31"/>
-          <p:cNvCxnSpPr/>
-          <p:nvPr/>
-        </p:nvCxnSpPr>
-        <p:spPr>
-          <a:xfrm>
-            <a:off x="4800319" y="5035091"/>
-            <a:ext cx="2016224" cy="0"/>
-          </a:xfrm>
-          <a:prstGeom prst="line">
-            <a:avLst/>
-          </a:prstGeom>
-          <a:ln>
-            <a:solidFill>
-              <a:schemeClr val="tx1"/>
-            </a:solidFill>
-          </a:ln>
-        </p:spPr>
-        <p:style>
-          <a:lnRef idx="1">
-            <a:schemeClr val="accent1"/>
-          </a:lnRef>
-          <a:fillRef idx="0">
-            <a:schemeClr val="accent1"/>
-          </a:fillRef>
-          <a:effectRef idx="0">
-            <a:schemeClr val="accent1"/>
-          </a:effectRef>
-          <a:fontRef idx="minor">
-            <a:schemeClr val="tx1"/>
-          </a:fontRef>
-        </p:style>
-      </p:cxnSp>
-      <p:cxnSp>
-        <p:nvCxnSpPr>
-          <p:cNvPr id="37" name="직선 연결선 36"/>
-          <p:cNvCxnSpPr/>
-          <p:nvPr/>
-        </p:nvCxnSpPr>
-        <p:spPr>
-          <a:xfrm>
-            <a:off x="6888551" y="1484784"/>
-            <a:ext cx="0" cy="1728192"/>
-          </a:xfrm>
-          <a:prstGeom prst="line">
-            <a:avLst/>
-          </a:prstGeom>
-          <a:ln>
-            <a:solidFill>
-              <a:schemeClr val="tx1"/>
-            </a:solidFill>
-          </a:ln>
-        </p:spPr>
-        <p:style>
-          <a:lnRef idx="1">
-            <a:schemeClr val="accent1"/>
-          </a:lnRef>
-          <a:fillRef idx="0">
-            <a:schemeClr val="accent1"/>
-          </a:fillRef>
-          <a:effectRef idx="0">
-            <a:schemeClr val="accent1"/>
-          </a:effectRef>
-          <a:fontRef idx="minor">
-            <a:schemeClr val="tx1"/>
-          </a:fontRef>
-        </p:style>
-      </p:cxnSp>
-      <p:sp>
-        <p:nvSpPr>
-          <p:cNvPr id="4" name="다이아몬드 3"/>
-          <p:cNvSpPr/>
-          <p:nvPr/>
-        </p:nvSpPr>
-        <p:spPr>
-          <a:xfrm>
-            <a:off x="3504175" y="1004731"/>
-            <a:ext cx="1728192" cy="768085"/>
-          </a:xfrm>
-          <a:prstGeom prst="diamond">
-            <a:avLst/>
-          </a:prstGeom>
-          <a:solidFill>
-            <a:srgbClr val="002060"/>
-          </a:solidFill>
         </p:spPr>
         <p:style>
           <a:lnRef idx="2">
@@ -3802,27 +3333,46 @@
           <a:p>
             <a:pPr algn="ctr"/>
             <a:r>
-              <a:rPr lang="ko-KR" altLang="en-US" dirty="0" smtClean="0"/>
-              <a:t>강의</a:t>
-            </a:r>
-            <a:endParaRPr lang="ko-KR" altLang="en-US" dirty="0"/>
-          </a:p>
-        </p:txBody>
-      </p:sp>
-      <p:sp>
-        <p:nvSpPr>
-          <p:cNvPr id="5" name="직사각형 4"/>
+              <a:rPr lang="ko-KR" altLang="en-US" sz="1200" dirty="0" smtClean="0">
+                <a:solidFill>
+                  <a:schemeClr val="bg1"/>
+                </a:solidFill>
+              </a:rPr>
+              <a:t>학 생</a:t>
+            </a:r>
+            <a:endParaRPr lang="en-US" altLang="ko-KR" sz="1200" dirty="0" smtClean="0">
+              <a:solidFill>
+                <a:schemeClr val="bg1"/>
+              </a:solidFill>
+            </a:endParaRPr>
+          </a:p>
+        </p:txBody>
+      </p:sp>
+      <p:sp>
+        <p:nvSpPr>
+          <p:cNvPr id="4" name="타원 3"/>
           <p:cNvSpPr/>
           <p:nvPr/>
         </p:nvSpPr>
         <p:spPr>
           <a:xfrm>
-            <a:off x="6240479" y="1089997"/>
-            <a:ext cx="1296144" cy="619895"/>
-          </a:xfrm>
-          <a:prstGeom prst="rect">
+            <a:off x="3507929" y="4941780"/>
+            <a:ext cx="864096" cy="508252"/>
+          </a:xfrm>
+          <a:prstGeom prst="ellipse">
             <a:avLst/>
           </a:prstGeom>
+          <a:solidFill>
+            <a:schemeClr val="accent1">
+              <a:lumMod val="60000"/>
+              <a:lumOff val="40000"/>
+            </a:schemeClr>
+          </a:solidFill>
+          <a:ln>
+            <a:solidFill>
+              <a:schemeClr val="tx1"/>
+            </a:solidFill>
+          </a:ln>
         </p:spPr>
         <p:style>
           <a:lnRef idx="2">
@@ -3846,27 +3396,49 @@
           <a:p>
             <a:pPr algn="ctr"/>
             <a:r>
-              <a:rPr lang="ko-KR" altLang="en-US" dirty="0" smtClean="0"/>
-              <a:t>교수</a:t>
-            </a:r>
-            <a:endParaRPr lang="en-US" altLang="ko-KR" dirty="0" smtClean="0"/>
-          </a:p>
-        </p:txBody>
-      </p:sp>
-      <p:sp>
-        <p:nvSpPr>
-          <p:cNvPr id="6" name="직사각형 5"/>
+              <a:rPr lang="ko-KR" altLang="en-US" sz="1000" dirty="0" smtClean="0">
+                <a:solidFill>
+                  <a:schemeClr val="tx1"/>
+                </a:solidFill>
+              </a:rPr>
+              <a:t>학번</a:t>
+            </a:r>
+            <a:endParaRPr lang="en-US" altLang="ko-KR" sz="1000" dirty="0" smtClean="0">
+              <a:solidFill>
+                <a:schemeClr val="tx1"/>
+              </a:solidFill>
+            </a:endParaRPr>
+          </a:p>
+        </p:txBody>
+      </p:sp>
+      <p:sp>
+        <p:nvSpPr>
+          <p:cNvPr id="6" name="타원 5"/>
           <p:cNvSpPr/>
           <p:nvPr/>
         </p:nvSpPr>
         <p:spPr>
           <a:xfrm>
-            <a:off x="1271927" y="1089997"/>
-            <a:ext cx="1296144" cy="619895"/>
-          </a:xfrm>
-          <a:prstGeom prst="rect">
+            <a:off x="5388018" y="4940163"/>
+            <a:ext cx="864096" cy="508252"/>
+          </a:xfrm>
+          <a:prstGeom prst="ellipse">
             <a:avLst/>
           </a:prstGeom>
+          <a:solidFill>
+            <a:schemeClr val="accent1">
+              <a:lumMod val="20000"/>
+              <a:lumOff val="80000"/>
+            </a:schemeClr>
+          </a:solidFill>
+          <a:ln>
+            <a:solidFill>
+              <a:schemeClr val="tx1">
+                <a:lumMod val="65000"/>
+                <a:lumOff val="35000"/>
+              </a:schemeClr>
+            </a:solidFill>
+          </a:ln>
         </p:spPr>
         <p:style>
           <a:lnRef idx="2">
@@ -3890,27 +3462,49 @@
           <a:p>
             <a:pPr algn="ctr"/>
             <a:r>
-              <a:rPr lang="ko-KR" altLang="en-US" dirty="0" smtClean="0"/>
-              <a:t>과목</a:t>
-            </a:r>
-            <a:endParaRPr lang="en-US" altLang="ko-KR" dirty="0" smtClean="0"/>
-          </a:p>
-        </p:txBody>
-      </p:sp>
-      <p:sp>
-        <p:nvSpPr>
-          <p:cNvPr id="7" name="직사각형 6"/>
+              <a:rPr lang="ko-KR" altLang="en-US" sz="1000" dirty="0" smtClean="0">
+                <a:solidFill>
+                  <a:schemeClr val="tx1"/>
+                </a:solidFill>
+              </a:rPr>
+              <a:t>나이</a:t>
+            </a:r>
+            <a:endParaRPr lang="ko-KR" altLang="en-US" sz="1000" dirty="0">
+              <a:solidFill>
+                <a:schemeClr val="tx1"/>
+              </a:solidFill>
+            </a:endParaRPr>
+          </a:p>
+        </p:txBody>
+      </p:sp>
+      <p:sp>
+        <p:nvSpPr>
+          <p:cNvPr id="7" name="타원 6"/>
           <p:cNvSpPr/>
           <p:nvPr/>
         </p:nvSpPr>
         <p:spPr>
           <a:xfrm>
-            <a:off x="3720199" y="3025129"/>
-            <a:ext cx="1296144" cy="619895"/>
-          </a:xfrm>
-          <a:prstGeom prst="rect">
+            <a:off x="3594578" y="5511559"/>
+            <a:ext cx="864096" cy="508252"/>
+          </a:xfrm>
+          <a:prstGeom prst="ellipse">
             <a:avLst/>
           </a:prstGeom>
+          <a:solidFill>
+            <a:schemeClr val="accent1">
+              <a:lumMod val="20000"/>
+              <a:lumOff val="80000"/>
+            </a:schemeClr>
+          </a:solidFill>
+          <a:ln>
+            <a:solidFill>
+              <a:schemeClr val="tx1">
+                <a:lumMod val="65000"/>
+                <a:lumOff val="35000"/>
+              </a:schemeClr>
+            </a:solidFill>
+          </a:ln>
         </p:spPr>
         <p:style>
           <a:lnRef idx="2">
@@ -3934,27 +3528,49 @@
           <a:p>
             <a:pPr algn="ctr"/>
             <a:r>
-              <a:rPr lang="ko-KR" altLang="en-US" dirty="0" smtClean="0"/>
-              <a:t>학생</a:t>
-            </a:r>
-            <a:endParaRPr lang="en-US" altLang="ko-KR" dirty="0" smtClean="0"/>
-          </a:p>
-        </p:txBody>
-      </p:sp>
-      <p:sp>
-        <p:nvSpPr>
-          <p:cNvPr id="8" name="직사각형 7"/>
+              <a:rPr lang="ko-KR" altLang="en-US" sz="1000" dirty="0" smtClean="0">
+                <a:solidFill>
+                  <a:schemeClr val="tx1"/>
+                </a:solidFill>
+              </a:rPr>
+              <a:t>학년</a:t>
+            </a:r>
+            <a:endParaRPr lang="ko-KR" altLang="en-US" sz="1000" dirty="0">
+              <a:solidFill>
+                <a:schemeClr val="tx1"/>
+              </a:solidFill>
+            </a:endParaRPr>
+          </a:p>
+        </p:txBody>
+      </p:sp>
+      <p:sp>
+        <p:nvSpPr>
+          <p:cNvPr id="8" name="타원 7"/>
           <p:cNvSpPr/>
           <p:nvPr/>
         </p:nvSpPr>
         <p:spPr>
           <a:xfrm>
-            <a:off x="6464937" y="4725144"/>
-            <a:ext cx="1296144" cy="619895"/>
-          </a:xfrm>
-          <a:prstGeom prst="rect">
+            <a:off x="4523922" y="5499479"/>
+            <a:ext cx="864096" cy="508252"/>
+          </a:xfrm>
+          <a:prstGeom prst="ellipse">
             <a:avLst/>
           </a:prstGeom>
+          <a:solidFill>
+            <a:schemeClr val="accent1">
+              <a:lumMod val="20000"/>
+              <a:lumOff val="80000"/>
+            </a:schemeClr>
+          </a:solidFill>
+          <a:ln>
+            <a:solidFill>
+              <a:schemeClr val="tx1">
+                <a:lumMod val="65000"/>
+                <a:lumOff val="35000"/>
+              </a:schemeClr>
+            </a:solidFill>
+          </a:ln>
         </p:spPr>
         <p:style>
           <a:lnRef idx="2">
@@ -3978,30 +3594,49 @@
           <a:p>
             <a:pPr algn="ctr"/>
             <a:r>
-              <a:rPr lang="ko-KR" altLang="en-US" dirty="0" smtClean="0"/>
-              <a:t>졸업요건</a:t>
-            </a:r>
-            <a:endParaRPr lang="en-US" altLang="ko-KR" dirty="0" smtClean="0"/>
-          </a:p>
-        </p:txBody>
-      </p:sp>
-      <p:sp>
-        <p:nvSpPr>
-          <p:cNvPr id="9" name="다이아몬드 8"/>
+              <a:rPr lang="ko-KR" altLang="en-US" sz="1000" dirty="0" smtClean="0">
+                <a:solidFill>
+                  <a:schemeClr val="tx1"/>
+                </a:solidFill>
+              </a:rPr>
+              <a:t>학기</a:t>
+            </a:r>
+            <a:endParaRPr lang="ko-KR" altLang="en-US" sz="1000" dirty="0">
+              <a:solidFill>
+                <a:schemeClr val="tx1"/>
+              </a:solidFill>
+            </a:endParaRPr>
+          </a:p>
+        </p:txBody>
+      </p:sp>
+      <p:sp>
+        <p:nvSpPr>
+          <p:cNvPr id="9" name="타원 8"/>
           <p:cNvSpPr/>
           <p:nvPr/>
         </p:nvSpPr>
         <p:spPr>
           <a:xfrm>
-            <a:off x="1043952" y="3020955"/>
-            <a:ext cx="1728192" cy="768085"/>
-          </a:xfrm>
-          <a:prstGeom prst="diamond">
+            <a:off x="5447693" y="5511559"/>
+            <a:ext cx="864096" cy="508252"/>
+          </a:xfrm>
+          <a:prstGeom prst="ellipse">
             <a:avLst/>
           </a:prstGeom>
           <a:solidFill>
-            <a:srgbClr val="002060"/>
+            <a:schemeClr val="accent1">
+              <a:lumMod val="20000"/>
+              <a:lumOff val="80000"/>
+            </a:schemeClr>
           </a:solidFill>
+          <a:ln>
+            <a:solidFill>
+              <a:schemeClr val="tx1">
+                <a:lumMod val="65000"/>
+                <a:lumOff val="35000"/>
+              </a:schemeClr>
+            </a:solidFill>
+          </a:ln>
         </p:spPr>
         <p:style>
           <a:lnRef idx="2">
@@ -4025,30 +3660,49 @@
           <a:p>
             <a:pPr algn="ctr"/>
             <a:r>
-              <a:rPr lang="ko-KR" altLang="en-US" dirty="0" smtClean="0"/>
-              <a:t>수업</a:t>
-            </a:r>
-            <a:endParaRPr lang="ko-KR" altLang="en-US" dirty="0"/>
-          </a:p>
-        </p:txBody>
-      </p:sp>
-      <p:sp>
-        <p:nvSpPr>
-          <p:cNvPr id="10" name="다이아몬드 9"/>
+              <a:rPr lang="ko-KR" altLang="en-US" sz="1000" dirty="0" smtClean="0">
+                <a:solidFill>
+                  <a:schemeClr val="tx1"/>
+                </a:solidFill>
+              </a:rPr>
+              <a:t>전공</a:t>
+            </a:r>
+            <a:endParaRPr lang="ko-KR" altLang="en-US" sz="1000" dirty="0">
+              <a:solidFill>
+                <a:schemeClr val="tx1"/>
+              </a:solidFill>
+            </a:endParaRPr>
+          </a:p>
+        </p:txBody>
+      </p:sp>
+      <p:sp>
+        <p:nvSpPr>
+          <p:cNvPr id="10" name="타원 9"/>
           <p:cNvSpPr/>
           <p:nvPr/>
         </p:nvSpPr>
         <p:spPr>
           <a:xfrm>
-            <a:off x="3504175" y="4653136"/>
-            <a:ext cx="1728192" cy="768085"/>
-          </a:xfrm>
-          <a:prstGeom prst="diamond">
+            <a:off x="4458674" y="4941780"/>
+            <a:ext cx="864096" cy="508252"/>
+          </a:xfrm>
+          <a:prstGeom prst="ellipse">
             <a:avLst/>
           </a:prstGeom>
           <a:solidFill>
-            <a:srgbClr val="002060"/>
+            <a:schemeClr val="accent1">
+              <a:lumMod val="20000"/>
+              <a:lumOff val="80000"/>
+            </a:schemeClr>
           </a:solidFill>
+          <a:ln>
+            <a:solidFill>
+              <a:schemeClr val="tx1">
+                <a:lumMod val="65000"/>
+                <a:lumOff val="35000"/>
+              </a:schemeClr>
+            </a:solidFill>
+          </a:ln>
         </p:spPr>
         <p:style>
           <a:lnRef idx="2">
@@ -4072,30 +3726,43 @@
           <a:p>
             <a:pPr algn="ctr"/>
             <a:r>
-              <a:rPr lang="ko-KR" altLang="en-US" dirty="0" smtClean="0"/>
-              <a:t>졸업</a:t>
-            </a:r>
-            <a:endParaRPr lang="ko-KR" altLang="en-US" dirty="0"/>
-          </a:p>
-        </p:txBody>
-      </p:sp>
-      <p:sp>
-        <p:nvSpPr>
-          <p:cNvPr id="11" name="다이아몬드 10"/>
+              <a:rPr lang="ko-KR" altLang="en-US" sz="1000" dirty="0" smtClean="0">
+                <a:solidFill>
+                  <a:schemeClr val="tx1"/>
+                </a:solidFill>
+              </a:rPr>
+              <a:t>이름</a:t>
+            </a:r>
+            <a:endParaRPr lang="ko-KR" altLang="en-US" sz="1000" dirty="0">
+              <a:solidFill>
+                <a:schemeClr val="tx1"/>
+              </a:solidFill>
+            </a:endParaRPr>
+          </a:p>
+        </p:txBody>
+      </p:sp>
+      <p:sp>
+        <p:nvSpPr>
+          <p:cNvPr id="11" name="직사각형 10"/>
           <p:cNvSpPr/>
           <p:nvPr/>
         </p:nvSpPr>
         <p:spPr>
           <a:xfrm>
-            <a:off x="6032889" y="3031724"/>
-            <a:ext cx="1728192" cy="768085"/>
-          </a:xfrm>
-          <a:prstGeom prst="diamond">
+            <a:off x="6541637" y="2407550"/>
+            <a:ext cx="1071586" cy="468819"/>
+          </a:xfrm>
+          <a:prstGeom prst="rect">
             <a:avLst/>
           </a:prstGeom>
           <a:solidFill>
-            <a:srgbClr val="002060"/>
+            <a:schemeClr val="accent1"/>
           </a:solidFill>
+          <a:ln>
+            <a:solidFill>
+              <a:schemeClr val="tx1"/>
+            </a:solidFill>
+          </a:ln>
         </p:spPr>
         <p:style>
           <a:lnRef idx="2">
@@ -4119,10 +3786,18 @@
           <a:p>
             <a:pPr algn="ctr"/>
             <a:r>
-              <a:rPr lang="ko-KR" altLang="en-US" dirty="0" smtClean="0"/>
-              <a:t>지도</a:t>
-            </a:r>
-            <a:endParaRPr lang="ko-KR" altLang="en-US" dirty="0"/>
+              <a:rPr lang="ko-KR" altLang="en-US" sz="1200" dirty="0" smtClean="0">
+                <a:solidFill>
+                  <a:schemeClr val="bg1"/>
+                </a:solidFill>
+              </a:rPr>
+              <a:t>교 수</a:t>
+            </a:r>
+            <a:endParaRPr lang="en-US" altLang="ko-KR" sz="1200" dirty="0" smtClean="0">
+              <a:solidFill>
+                <a:schemeClr val="bg1"/>
+              </a:solidFill>
+            </a:endParaRPr>
           </a:p>
         </p:txBody>
       </p:sp>
@@ -4134,22 +3809,21 @@
         </p:nvSpPr>
         <p:spPr>
           <a:xfrm>
-            <a:off x="4852572" y="487674"/>
-            <a:ext cx="989321" cy="464254"/>
+            <a:off x="6092767" y="2951115"/>
+            <a:ext cx="864096" cy="508252"/>
           </a:xfrm>
           <a:prstGeom prst="ellipse">
             <a:avLst/>
           </a:prstGeom>
           <a:solidFill>
-            <a:schemeClr val="bg1">
-              <a:lumMod val="65000"/>
+            <a:schemeClr val="accent1">
+              <a:lumMod val="60000"/>
+              <a:lumOff val="40000"/>
             </a:schemeClr>
           </a:solidFill>
           <a:ln>
             <a:solidFill>
-              <a:schemeClr val="tx2">
-                <a:lumMod val="50000"/>
-              </a:schemeClr>
+              <a:schemeClr val="tx1"/>
             </a:solidFill>
           </a:ln>
         </p:spPr>
@@ -4175,43 +3849,46 @@
           <a:p>
             <a:pPr algn="ctr"/>
             <a:r>
-              <a:rPr lang="en-US" altLang="ko-KR" sz="1000" dirty="0" smtClean="0"/>
-              <a:t>PK</a:t>
-            </a:r>
-          </a:p>
-          <a:p>
-            <a:pPr algn="ctr"/>
-            <a:r>
-              <a:rPr lang="ko-KR" altLang="en-US" sz="1000" dirty="0" smtClean="0"/>
-              <a:t>교수번호</a:t>
-            </a:r>
-            <a:endParaRPr lang="ko-KR" altLang="en-US" sz="1000" dirty="0"/>
-          </a:p>
-        </p:txBody>
-      </p:sp>
-      <p:sp>
-        <p:nvSpPr>
-          <p:cNvPr id="16" name="타원 15"/>
+              <a:rPr lang="ko-KR" altLang="en-US" sz="1000" dirty="0" smtClean="0">
+                <a:solidFill>
+                  <a:schemeClr val="tx1"/>
+                </a:solidFill>
+              </a:rPr>
+              <a:t>교번</a:t>
+            </a:r>
+            <a:endParaRPr lang="en-US" altLang="ko-KR" sz="1000" dirty="0" smtClean="0">
+              <a:solidFill>
+                <a:schemeClr val="tx1"/>
+              </a:solidFill>
+            </a:endParaRPr>
+          </a:p>
+        </p:txBody>
+      </p:sp>
+      <p:sp>
+        <p:nvSpPr>
+          <p:cNvPr id="13" name="타원 12"/>
           <p:cNvSpPr/>
           <p:nvPr/>
         </p:nvSpPr>
         <p:spPr>
           <a:xfrm>
-            <a:off x="87602" y="494985"/>
-            <a:ext cx="1024190" cy="480617"/>
+            <a:off x="7018546" y="2930550"/>
+            <a:ext cx="864096" cy="508252"/>
           </a:xfrm>
           <a:prstGeom prst="ellipse">
             <a:avLst/>
           </a:prstGeom>
           <a:solidFill>
-            <a:schemeClr val="bg1">
-              <a:lumMod val="65000"/>
+            <a:schemeClr val="accent1">
+              <a:lumMod val="20000"/>
+              <a:lumOff val="80000"/>
             </a:schemeClr>
           </a:solidFill>
           <a:ln>
             <a:solidFill>
-              <a:schemeClr val="tx2">
-                <a:lumMod val="50000"/>
+              <a:schemeClr val="tx1">
+                <a:lumMod val="65000"/>
+                <a:lumOff val="35000"/>
               </a:schemeClr>
             </a:solidFill>
           </a:ln>
@@ -4238,46 +3915,46 @@
           <a:p>
             <a:pPr algn="ctr"/>
             <a:r>
-              <a:rPr lang="en-US" altLang="ko-KR" sz="1000" dirty="0" smtClean="0"/>
-              <a:t>PK</a:t>
-            </a:r>
-          </a:p>
-          <a:p>
-            <a:pPr algn="ctr"/>
-            <a:r>
-              <a:rPr lang="ko-KR" altLang="en-US" sz="1000" dirty="0" smtClean="0"/>
-              <a:t>과목번</a:t>
-            </a:r>
-            <a:r>
-              <a:rPr lang="ko-KR" altLang="en-US" sz="1000" dirty="0"/>
-              <a:t>호</a:t>
-            </a:r>
-          </a:p>
-        </p:txBody>
-      </p:sp>
-      <p:sp>
-        <p:nvSpPr>
-          <p:cNvPr id="17" name="타원 16"/>
+              <a:rPr lang="ko-KR" altLang="en-US" sz="1000" dirty="0" smtClean="0">
+                <a:solidFill>
+                  <a:schemeClr val="tx1"/>
+                </a:solidFill>
+              </a:rPr>
+              <a:t>이름</a:t>
+            </a:r>
+            <a:endParaRPr lang="ko-KR" altLang="en-US" sz="1000" dirty="0">
+              <a:solidFill>
+                <a:schemeClr val="tx1"/>
+              </a:solidFill>
+            </a:endParaRPr>
+          </a:p>
+        </p:txBody>
+      </p:sp>
+      <p:sp>
+        <p:nvSpPr>
+          <p:cNvPr id="16" name="타원 15"/>
           <p:cNvSpPr/>
           <p:nvPr/>
         </p:nvSpPr>
         <p:spPr>
           <a:xfrm>
-            <a:off x="2456527" y="2470359"/>
-            <a:ext cx="948566" cy="445129"/>
+            <a:off x="7500092" y="3432043"/>
+            <a:ext cx="864096" cy="508252"/>
           </a:xfrm>
           <a:prstGeom prst="ellipse">
             <a:avLst/>
           </a:prstGeom>
           <a:solidFill>
-            <a:schemeClr val="bg1">
-              <a:lumMod val="65000"/>
+            <a:schemeClr val="accent1">
+              <a:lumMod val="20000"/>
+              <a:lumOff val="80000"/>
             </a:schemeClr>
           </a:solidFill>
           <a:ln>
             <a:solidFill>
-              <a:schemeClr val="tx2">
-                <a:lumMod val="50000"/>
+              <a:schemeClr val="tx1">
+                <a:lumMod val="65000"/>
+                <a:lumOff val="35000"/>
               </a:schemeClr>
             </a:solidFill>
           </a:ln>
@@ -4304,43 +3981,46 @@
           <a:p>
             <a:pPr algn="ctr"/>
             <a:r>
-              <a:rPr lang="en-US" altLang="ko-KR" sz="1200" dirty="0" smtClean="0"/>
-              <a:t>PK</a:t>
-            </a:r>
-          </a:p>
-          <a:p>
-            <a:pPr algn="ctr"/>
-            <a:r>
-              <a:rPr lang="ko-KR" altLang="en-US" sz="1200" dirty="0" smtClean="0"/>
-              <a:t>학번</a:t>
-            </a:r>
-            <a:endParaRPr lang="ko-KR" altLang="en-US" sz="1200" dirty="0"/>
-          </a:p>
-        </p:txBody>
-      </p:sp>
-      <p:sp>
-        <p:nvSpPr>
-          <p:cNvPr id="18" name="타원 17"/>
+              <a:rPr lang="ko-KR" altLang="en-US" sz="1000" dirty="0" smtClean="0">
+                <a:solidFill>
+                  <a:schemeClr val="tx1"/>
+                </a:solidFill>
+              </a:rPr>
+              <a:t>전공</a:t>
+            </a:r>
+            <a:endParaRPr lang="ko-KR" altLang="en-US" sz="1000" dirty="0">
+              <a:solidFill>
+                <a:schemeClr val="tx1"/>
+              </a:solidFill>
+            </a:endParaRPr>
+          </a:p>
+        </p:txBody>
+      </p:sp>
+      <p:sp>
+        <p:nvSpPr>
+          <p:cNvPr id="17" name="타원 16"/>
           <p:cNvSpPr/>
           <p:nvPr/>
         </p:nvSpPr>
         <p:spPr>
           <a:xfrm>
-            <a:off x="5686210" y="5496997"/>
-            <a:ext cx="1006930" cy="472517"/>
+            <a:off x="6562540" y="3438802"/>
+            <a:ext cx="864096" cy="508252"/>
           </a:xfrm>
           <a:prstGeom prst="ellipse">
             <a:avLst/>
           </a:prstGeom>
           <a:solidFill>
-            <a:schemeClr val="bg1">
-              <a:lumMod val="65000"/>
+            <a:schemeClr val="accent1">
+              <a:lumMod val="20000"/>
+              <a:lumOff val="80000"/>
             </a:schemeClr>
           </a:solidFill>
           <a:ln>
             <a:solidFill>
-              <a:schemeClr val="tx2">
-                <a:lumMod val="50000"/>
+              <a:schemeClr val="tx1">
+                <a:lumMod val="65000"/>
+                <a:lumOff val="35000"/>
               </a:schemeClr>
             </a:solidFill>
           </a:ln>
@@ -4367,39 +4047,46 @@
           <a:p>
             <a:pPr algn="ctr"/>
             <a:r>
-              <a:rPr lang="en-US" altLang="ko-KR" sz="1000" dirty="0" smtClean="0"/>
-              <a:t>PK</a:t>
-            </a:r>
-          </a:p>
-          <a:p>
-            <a:pPr algn="ctr"/>
-            <a:r>
-              <a:rPr lang="ko-KR" altLang="en-US" sz="1000" dirty="0" smtClean="0"/>
-              <a:t>요건번호</a:t>
-            </a:r>
-            <a:endParaRPr lang="ko-KR" altLang="en-US" sz="1000" dirty="0"/>
-          </a:p>
-        </p:txBody>
-      </p:sp>
-      <p:sp>
-        <p:nvSpPr>
-          <p:cNvPr id="38" name="타원 37"/>
+              <a:rPr lang="ko-KR" altLang="en-US" sz="1000" dirty="0" smtClean="0">
+                <a:solidFill>
+                  <a:schemeClr val="tx1"/>
+                </a:solidFill>
+              </a:rPr>
+              <a:t>교수실</a:t>
+            </a:r>
+            <a:endParaRPr lang="ko-KR" altLang="en-US" sz="1000" dirty="0">
+              <a:solidFill>
+                <a:schemeClr val="tx1"/>
+              </a:solidFill>
+            </a:endParaRPr>
+          </a:p>
+        </p:txBody>
+      </p:sp>
+      <p:sp>
+        <p:nvSpPr>
+          <p:cNvPr id="19" name="타원 18"/>
           <p:cNvSpPr/>
           <p:nvPr/>
         </p:nvSpPr>
         <p:spPr>
           <a:xfrm>
-            <a:off x="5941442" y="492365"/>
-            <a:ext cx="989321" cy="464254"/>
+            <a:off x="446790" y="1631998"/>
+            <a:ext cx="864096" cy="508252"/>
           </a:xfrm>
           <a:prstGeom prst="ellipse">
             <a:avLst/>
           </a:prstGeom>
           <a:solidFill>
-            <a:schemeClr val="bg1">
-              <a:lumMod val="65000"/>
+            <a:schemeClr val="accent1">
+              <a:lumMod val="60000"/>
+              <a:lumOff val="40000"/>
             </a:schemeClr>
           </a:solidFill>
+          <a:ln>
+            <a:solidFill>
+              <a:schemeClr val="tx1"/>
+            </a:solidFill>
+          </a:ln>
         </p:spPr>
         <p:style>
           <a:lnRef idx="2">
@@ -4423,32 +4110,49 @@
           <a:p>
             <a:pPr algn="ctr"/>
             <a:r>
-              <a:rPr lang="ko-KR" altLang="en-US" sz="1200" dirty="0" smtClean="0"/>
-              <a:t>이름</a:t>
-            </a:r>
-            <a:endParaRPr lang="ko-KR" altLang="en-US" sz="1200" dirty="0"/>
-          </a:p>
-        </p:txBody>
-      </p:sp>
-      <p:sp>
-        <p:nvSpPr>
-          <p:cNvPr id="44" name="타원 43"/>
+              <a:rPr lang="ko-KR" altLang="en-US" sz="1000" dirty="0" smtClean="0">
+                <a:solidFill>
+                  <a:schemeClr val="tx1"/>
+                </a:solidFill>
+              </a:rPr>
+              <a:t>과목코드</a:t>
+            </a:r>
+            <a:endParaRPr lang="en-US" altLang="ko-KR" sz="1000" dirty="0" smtClean="0">
+              <a:solidFill>
+                <a:schemeClr val="tx1"/>
+              </a:solidFill>
+            </a:endParaRPr>
+          </a:p>
+        </p:txBody>
+      </p:sp>
+      <p:sp>
+        <p:nvSpPr>
+          <p:cNvPr id="20" name="타원 19"/>
           <p:cNvSpPr/>
           <p:nvPr/>
         </p:nvSpPr>
         <p:spPr>
           <a:xfrm>
-            <a:off x="7030312" y="492364"/>
-            <a:ext cx="989321" cy="464254"/>
+            <a:off x="1361195" y="1649082"/>
+            <a:ext cx="864096" cy="508252"/>
           </a:xfrm>
           <a:prstGeom prst="ellipse">
             <a:avLst/>
           </a:prstGeom>
           <a:solidFill>
-            <a:schemeClr val="bg1">
-              <a:lumMod val="65000"/>
+            <a:schemeClr val="accent1">
+              <a:lumMod val="20000"/>
+              <a:lumOff val="80000"/>
             </a:schemeClr>
           </a:solidFill>
+          <a:ln>
+            <a:solidFill>
+              <a:schemeClr val="tx1">
+                <a:lumMod val="65000"/>
+                <a:lumOff val="35000"/>
+              </a:schemeClr>
+            </a:solidFill>
+          </a:ln>
         </p:spPr>
         <p:style>
           <a:lnRef idx="2">
@@ -4472,32 +4176,49 @@
           <a:p>
             <a:pPr algn="ctr"/>
             <a:r>
-              <a:rPr lang="ko-KR" altLang="en-US" sz="1200" dirty="0" smtClean="0"/>
-              <a:t>전공</a:t>
-            </a:r>
-            <a:endParaRPr lang="ko-KR" altLang="en-US" sz="1200" dirty="0"/>
-          </a:p>
-        </p:txBody>
-      </p:sp>
-      <p:sp>
-        <p:nvSpPr>
-          <p:cNvPr id="45" name="타원 44"/>
+              <a:rPr lang="ko-KR" altLang="en-US" sz="1000" dirty="0" smtClean="0">
+                <a:solidFill>
+                  <a:schemeClr val="tx1"/>
+                </a:solidFill>
+              </a:rPr>
+              <a:t>과목명</a:t>
+            </a:r>
+            <a:endParaRPr lang="ko-KR" altLang="en-US" sz="1000" dirty="0">
+              <a:solidFill>
+                <a:schemeClr val="tx1"/>
+              </a:solidFill>
+            </a:endParaRPr>
+          </a:p>
+        </p:txBody>
+      </p:sp>
+      <p:sp>
+        <p:nvSpPr>
+          <p:cNvPr id="21" name="타원 20"/>
           <p:cNvSpPr/>
           <p:nvPr/>
         </p:nvSpPr>
         <p:spPr>
           <a:xfrm>
-            <a:off x="8119183" y="487674"/>
-            <a:ext cx="989321" cy="464254"/>
+            <a:off x="1850688" y="2140250"/>
+            <a:ext cx="864096" cy="508252"/>
           </a:xfrm>
           <a:prstGeom prst="ellipse">
             <a:avLst/>
           </a:prstGeom>
           <a:solidFill>
-            <a:schemeClr val="bg1">
-              <a:lumMod val="65000"/>
+            <a:schemeClr val="accent1">
+              <a:lumMod val="20000"/>
+              <a:lumOff val="80000"/>
             </a:schemeClr>
           </a:solidFill>
+          <a:ln>
+            <a:solidFill>
+              <a:schemeClr val="tx1">
+                <a:lumMod val="65000"/>
+                <a:lumOff val="35000"/>
+              </a:schemeClr>
+            </a:solidFill>
+          </a:ln>
         </p:spPr>
         <p:style>
           <a:lnRef idx="2">
@@ -4521,32 +4242,49 @@
           <a:p>
             <a:pPr algn="ctr"/>
             <a:r>
-              <a:rPr lang="ko-KR" altLang="en-US" sz="1200" dirty="0" smtClean="0"/>
-              <a:t>교수실</a:t>
-            </a:r>
-            <a:endParaRPr lang="ko-KR" altLang="en-US" sz="1200" dirty="0"/>
-          </a:p>
-        </p:txBody>
-      </p:sp>
-      <p:sp>
-        <p:nvSpPr>
-          <p:cNvPr id="48" name="타원 47"/>
+              <a:rPr lang="ko-KR" altLang="en-US" sz="1000" dirty="0" smtClean="0">
+                <a:solidFill>
+                  <a:schemeClr val="tx1"/>
+                </a:solidFill>
+              </a:rPr>
+              <a:t>시 수</a:t>
+            </a:r>
+            <a:endParaRPr lang="ko-KR" altLang="en-US" sz="1000" dirty="0">
+              <a:solidFill>
+                <a:schemeClr val="tx1"/>
+              </a:solidFill>
+            </a:endParaRPr>
+          </a:p>
+        </p:txBody>
+      </p:sp>
+      <p:sp>
+        <p:nvSpPr>
+          <p:cNvPr id="22" name="타원 21"/>
           <p:cNvSpPr/>
           <p:nvPr/>
         </p:nvSpPr>
         <p:spPr>
           <a:xfrm>
-            <a:off x="1279565" y="507662"/>
-            <a:ext cx="1024190" cy="480617"/>
+            <a:off x="892988" y="2157334"/>
+            <a:ext cx="864096" cy="508252"/>
           </a:xfrm>
           <a:prstGeom prst="ellipse">
             <a:avLst/>
           </a:prstGeom>
           <a:solidFill>
-            <a:schemeClr val="bg1">
-              <a:lumMod val="65000"/>
+            <a:schemeClr val="accent1">
+              <a:lumMod val="20000"/>
+              <a:lumOff val="80000"/>
             </a:schemeClr>
           </a:solidFill>
+          <a:ln>
+            <a:solidFill>
+              <a:schemeClr val="tx1">
+                <a:lumMod val="65000"/>
+                <a:lumOff val="35000"/>
+              </a:schemeClr>
+            </a:solidFill>
+          </a:ln>
         </p:spPr>
         <p:style>
           <a:lnRef idx="2">
@@ -4570,32 +4308,49 @@
           <a:p>
             <a:pPr algn="ctr"/>
             <a:r>
-              <a:rPr lang="ko-KR" altLang="en-US" sz="1200" dirty="0" smtClean="0"/>
-              <a:t>과목명</a:t>
-            </a:r>
-            <a:endParaRPr lang="ko-KR" altLang="en-US" sz="1200" dirty="0"/>
-          </a:p>
-        </p:txBody>
-      </p:sp>
-      <p:sp>
-        <p:nvSpPr>
-          <p:cNvPr id="49" name="타원 48"/>
+              <a:rPr lang="ko-KR" altLang="en-US" sz="1000" dirty="0" smtClean="0">
+                <a:solidFill>
+                  <a:schemeClr val="tx1"/>
+                </a:solidFill>
+              </a:rPr>
+              <a:t>학점</a:t>
+            </a:r>
+            <a:endParaRPr lang="ko-KR" altLang="en-US" sz="1000" dirty="0">
+              <a:solidFill>
+                <a:schemeClr val="tx1"/>
+              </a:solidFill>
+            </a:endParaRPr>
+          </a:p>
+        </p:txBody>
+      </p:sp>
+      <p:sp>
+        <p:nvSpPr>
+          <p:cNvPr id="23" name="타원 22"/>
           <p:cNvSpPr/>
           <p:nvPr/>
         </p:nvSpPr>
         <p:spPr>
           <a:xfrm>
-            <a:off x="2463891" y="500109"/>
-            <a:ext cx="1024190" cy="480617"/>
+            <a:off x="2315284" y="1649082"/>
+            <a:ext cx="864096" cy="508252"/>
           </a:xfrm>
           <a:prstGeom prst="ellipse">
             <a:avLst/>
           </a:prstGeom>
           <a:solidFill>
-            <a:schemeClr val="bg1">
-              <a:lumMod val="65000"/>
+            <a:schemeClr val="accent1">
+              <a:lumMod val="20000"/>
+              <a:lumOff val="80000"/>
             </a:schemeClr>
           </a:solidFill>
+          <a:ln>
+            <a:solidFill>
+              <a:schemeClr val="tx1">
+                <a:lumMod val="65000"/>
+                <a:lumOff val="35000"/>
+              </a:schemeClr>
+            </a:solidFill>
+          </a:ln>
         </p:spPr>
         <p:style>
           <a:lnRef idx="2">
@@ -4619,32 +4374,46 @@
           <a:p>
             <a:pPr algn="ctr"/>
             <a:r>
-              <a:rPr lang="ko-KR" altLang="en-US" sz="1200" dirty="0" smtClean="0"/>
-              <a:t>학점</a:t>
-            </a:r>
-            <a:endParaRPr lang="ko-KR" altLang="en-US" sz="1200" dirty="0"/>
-          </a:p>
-        </p:txBody>
-      </p:sp>
-      <p:sp>
-        <p:nvSpPr>
-          <p:cNvPr id="50" name="타원 49"/>
+              <a:rPr lang="ko-KR" altLang="en-US" sz="1000" dirty="0" smtClean="0">
+                <a:solidFill>
+                  <a:schemeClr val="tx1"/>
+                </a:solidFill>
+              </a:rPr>
+              <a:t>구분</a:t>
+            </a:r>
+            <a:endParaRPr lang="ko-KR" altLang="en-US" sz="1000" dirty="0">
+              <a:solidFill>
+                <a:schemeClr val="tx1"/>
+              </a:solidFill>
+            </a:endParaRPr>
+          </a:p>
+        </p:txBody>
+      </p:sp>
+      <p:sp>
+        <p:nvSpPr>
+          <p:cNvPr id="25" name="다이아몬드 24"/>
           <p:cNvSpPr/>
           <p:nvPr/>
         </p:nvSpPr>
         <p:spPr>
           <a:xfrm>
-            <a:off x="4555355" y="2470359"/>
-            <a:ext cx="948566" cy="445129"/>
-          </a:xfrm>
-          <a:prstGeom prst="ellipse">
+            <a:off x="6405116" y="4312939"/>
+            <a:ext cx="1226860" cy="608688"/>
+          </a:xfrm>
+          <a:prstGeom prst="diamond">
             <a:avLst/>
           </a:prstGeom>
           <a:solidFill>
-            <a:schemeClr val="bg1">
-              <a:lumMod val="65000"/>
-            </a:schemeClr>
+            <a:schemeClr val="tx2"/>
           </a:solidFill>
+          <a:ln>
+            <a:solidFill>
+              <a:schemeClr val="tx1">
+                <a:lumMod val="95000"/>
+                <a:lumOff val="5000"/>
+              </a:schemeClr>
+            </a:solidFill>
+          </a:ln>
         </p:spPr>
         <p:style>
           <a:lnRef idx="2">
@@ -4669,31 +4438,37 @@
             <a:pPr algn="ctr"/>
             <a:r>
               <a:rPr lang="ko-KR" altLang="en-US" sz="1200" dirty="0" smtClean="0"/>
-              <a:t>이름</a:t>
-            </a:r>
-            <a:endParaRPr lang="ko-KR" altLang="en-US" sz="1200" dirty="0"/>
-          </a:p>
-        </p:txBody>
-      </p:sp>
-      <p:sp>
-        <p:nvSpPr>
-          <p:cNvPr id="51" name="타원 50"/>
+              <a:t>지도</a:t>
+            </a:r>
+            <a:endParaRPr lang="en-US" altLang="ko-KR" sz="1200" dirty="0" smtClean="0"/>
+          </a:p>
+        </p:txBody>
+      </p:sp>
+      <p:sp>
+        <p:nvSpPr>
+          <p:cNvPr id="26" name="다이아몬드 25"/>
           <p:cNvSpPr/>
           <p:nvPr/>
         </p:nvSpPr>
         <p:spPr>
           <a:xfrm>
-            <a:off x="5604769" y="2470359"/>
-            <a:ext cx="948566" cy="445129"/>
-          </a:xfrm>
-          <a:prstGeom prst="ellipse">
+            <a:off x="4261486" y="2770243"/>
+            <a:ext cx="1226860" cy="608688"/>
+          </a:xfrm>
+          <a:prstGeom prst="diamond">
             <a:avLst/>
           </a:prstGeom>
           <a:solidFill>
-            <a:schemeClr val="bg1">
-              <a:lumMod val="65000"/>
-            </a:schemeClr>
+            <a:schemeClr val="tx2"/>
           </a:solidFill>
+          <a:ln>
+            <a:solidFill>
+              <a:schemeClr val="tx1">
+                <a:lumMod val="95000"/>
+                <a:lumOff val="5000"/>
+              </a:schemeClr>
+            </a:solidFill>
+          </a:ln>
         </p:spPr>
         <p:style>
           <a:lnRef idx="2">
@@ -4718,31 +4493,34 @@
             <a:pPr algn="ctr"/>
             <a:r>
               <a:rPr lang="ko-KR" altLang="en-US" sz="1200" dirty="0" smtClean="0"/>
-              <a:t>전공</a:t>
-            </a:r>
-            <a:endParaRPr lang="ko-KR" altLang="en-US" sz="1200" dirty="0"/>
-          </a:p>
-        </p:txBody>
-      </p:sp>
-      <p:sp>
-        <p:nvSpPr>
-          <p:cNvPr id="52" name="타원 51"/>
+              <a:t>수강</a:t>
+            </a:r>
+            <a:endParaRPr lang="en-US" altLang="ko-KR" sz="1200" dirty="0" smtClean="0"/>
+          </a:p>
+        </p:txBody>
+      </p:sp>
+      <p:sp>
+        <p:nvSpPr>
+          <p:cNvPr id="28" name="직사각형 27"/>
           <p:cNvSpPr/>
           <p:nvPr/>
         </p:nvSpPr>
         <p:spPr>
           <a:xfrm>
-            <a:off x="3505941" y="2470359"/>
-            <a:ext cx="948566" cy="445129"/>
-          </a:xfrm>
-          <a:prstGeom prst="ellipse">
+            <a:off x="446790" y="4382874"/>
+            <a:ext cx="1071586" cy="468819"/>
+          </a:xfrm>
+          <a:prstGeom prst="rect">
             <a:avLst/>
           </a:prstGeom>
           <a:solidFill>
-            <a:schemeClr val="bg1">
-              <a:lumMod val="65000"/>
-            </a:schemeClr>
+            <a:schemeClr val="accent1"/>
           </a:solidFill>
+          <a:ln>
+            <a:solidFill>
+              <a:schemeClr val="tx1"/>
+            </a:solidFill>
+          </a:ln>
         </p:spPr>
         <p:style>
           <a:lnRef idx="2">
@@ -4766,32 +4544,46 @@
           <a:p>
             <a:pPr algn="ctr"/>
             <a:r>
-              <a:rPr lang="ko-KR" altLang="en-US" sz="1200" dirty="0" smtClean="0"/>
-              <a:t>학년</a:t>
-            </a:r>
-            <a:endParaRPr lang="ko-KR" altLang="en-US" sz="1200" dirty="0"/>
-          </a:p>
-        </p:txBody>
-      </p:sp>
-      <p:sp>
-        <p:nvSpPr>
-          <p:cNvPr id="54" name="타원 53"/>
+              <a:rPr lang="ko-KR" altLang="en-US" sz="1200" dirty="0" smtClean="0">
+                <a:solidFill>
+                  <a:schemeClr val="bg1"/>
+                </a:solidFill>
+              </a:rPr>
+              <a:t>졸업 요건</a:t>
+            </a:r>
+            <a:endParaRPr lang="en-US" altLang="ko-KR" sz="1200" dirty="0" smtClean="0">
+              <a:solidFill>
+                <a:schemeClr val="bg1"/>
+              </a:solidFill>
+            </a:endParaRPr>
+          </a:p>
+        </p:txBody>
+      </p:sp>
+      <p:sp>
+        <p:nvSpPr>
+          <p:cNvPr id="30" name="타원 29"/>
           <p:cNvSpPr/>
           <p:nvPr/>
         </p:nvSpPr>
         <p:spPr>
           <a:xfrm>
-            <a:off x="6929444" y="5504467"/>
-            <a:ext cx="1006930" cy="472517"/>
+            <a:off x="3501115" y="1731495"/>
+            <a:ext cx="864096" cy="508252"/>
           </a:xfrm>
           <a:prstGeom prst="ellipse">
             <a:avLst/>
           </a:prstGeom>
           <a:solidFill>
-            <a:schemeClr val="bg1">
-              <a:lumMod val="65000"/>
+            <a:schemeClr val="accent1">
+              <a:lumMod val="60000"/>
+              <a:lumOff val="40000"/>
             </a:schemeClr>
           </a:solidFill>
+          <a:ln>
+            <a:solidFill>
+              <a:schemeClr val="tx1"/>
+            </a:solidFill>
+          </a:ln>
         </p:spPr>
         <p:style>
           <a:lnRef idx="2">
@@ -4815,35 +4607,45 @@
           <a:p>
             <a:pPr algn="ctr"/>
             <a:r>
-              <a:rPr lang="ko-KR" altLang="en-US" sz="1200" dirty="0" smtClean="0"/>
-              <a:t>자격</a:t>
-            </a:r>
-            <a:r>
-              <a:rPr lang="ko-KR" altLang="en-US" sz="1200" dirty="0"/>
-              <a:t>증</a:t>
-            </a:r>
-          </a:p>
-        </p:txBody>
-      </p:sp>
-      <p:sp>
-        <p:nvSpPr>
-          <p:cNvPr id="55" name="타원 54"/>
+              <a:rPr lang="ko-KR" altLang="en-US" sz="1000" dirty="0" smtClean="0">
+                <a:solidFill>
+                  <a:schemeClr val="tx1"/>
+                </a:solidFill>
+              </a:rPr>
+              <a:t>강의코드</a:t>
+            </a:r>
+            <a:endParaRPr lang="en-US" altLang="ko-KR" sz="1000" dirty="0" smtClean="0">
+              <a:solidFill>
+                <a:schemeClr val="tx1"/>
+              </a:solidFill>
+            </a:endParaRPr>
+          </a:p>
+        </p:txBody>
+      </p:sp>
+      <p:sp>
+        <p:nvSpPr>
+          <p:cNvPr id="31" name="타원 30"/>
           <p:cNvSpPr/>
           <p:nvPr/>
         </p:nvSpPr>
         <p:spPr>
           <a:xfrm>
-            <a:off x="6310303" y="6010525"/>
-            <a:ext cx="1006930" cy="472517"/>
+            <a:off x="4458815" y="1731495"/>
+            <a:ext cx="864096" cy="508252"/>
           </a:xfrm>
           <a:prstGeom prst="ellipse">
             <a:avLst/>
           </a:prstGeom>
           <a:solidFill>
             <a:schemeClr val="bg1">
-              <a:lumMod val="65000"/>
+              <a:lumMod val="75000"/>
             </a:schemeClr>
           </a:solidFill>
+          <a:ln>
+            <a:solidFill>
+              <a:schemeClr val="tx1"/>
+            </a:solidFill>
+          </a:ln>
         </p:spPr>
         <p:style>
           <a:lnRef idx="2">
@@ -4867,32 +4669,45 @@
           <a:p>
             <a:pPr algn="ctr"/>
             <a:r>
-              <a:rPr lang="ko-KR" altLang="en-US" sz="1200" dirty="0" smtClean="0"/>
-              <a:t>어학점수</a:t>
-            </a:r>
-            <a:endParaRPr lang="ko-KR" altLang="en-US" sz="1200" dirty="0"/>
-          </a:p>
-        </p:txBody>
-      </p:sp>
-      <p:sp>
-        <p:nvSpPr>
-          <p:cNvPr id="56" name="타원 55"/>
+              <a:rPr lang="ko-KR" altLang="en-US" sz="1000" dirty="0" smtClean="0">
+                <a:solidFill>
+                  <a:schemeClr val="tx1"/>
+                </a:solidFill>
+              </a:rPr>
+              <a:t>과목코드</a:t>
+            </a:r>
+            <a:endParaRPr lang="en-US" altLang="ko-KR" sz="1000" dirty="0" smtClean="0">
+              <a:solidFill>
+                <a:schemeClr val="tx1"/>
+              </a:solidFill>
+            </a:endParaRPr>
+          </a:p>
+        </p:txBody>
+      </p:sp>
+      <p:sp>
+        <p:nvSpPr>
+          <p:cNvPr id="32" name="타원 31"/>
           <p:cNvSpPr/>
           <p:nvPr/>
         </p:nvSpPr>
         <p:spPr>
           <a:xfrm>
-            <a:off x="7669100" y="5989460"/>
-            <a:ext cx="1006930" cy="472517"/>
+            <a:off x="5399158" y="1731495"/>
+            <a:ext cx="864096" cy="508252"/>
           </a:xfrm>
           <a:prstGeom prst="ellipse">
             <a:avLst/>
           </a:prstGeom>
           <a:solidFill>
             <a:schemeClr val="bg1">
-              <a:lumMod val="65000"/>
+              <a:lumMod val="75000"/>
             </a:schemeClr>
           </a:solidFill>
+          <a:ln>
+            <a:solidFill>
+              <a:schemeClr val="tx1"/>
+            </a:solidFill>
+          </a:ln>
         </p:spPr>
         <p:style>
           <a:lnRef idx="2">
@@ -4916,33 +4731,44 @@
           <a:p>
             <a:pPr algn="ctr"/>
             <a:r>
-              <a:rPr lang="ko-KR" altLang="en-US" sz="1200" dirty="0" smtClean="0"/>
-              <a:t>졸업논문</a:t>
-            </a:r>
-            <a:endParaRPr lang="ko-KR" altLang="en-US" sz="1200" dirty="0"/>
-          </a:p>
-        </p:txBody>
-      </p:sp>
-      <p:sp>
-        <p:nvSpPr>
-          <p:cNvPr id="88" name="직사각형 87"/>
+              <a:rPr lang="ko-KR" altLang="en-US" sz="1000" dirty="0" smtClean="0">
+                <a:solidFill>
+                  <a:schemeClr val="tx1"/>
+                </a:solidFill>
+              </a:rPr>
+              <a:t>교번</a:t>
+            </a:r>
+            <a:endParaRPr lang="en-US" altLang="ko-KR" sz="1000" dirty="0" smtClean="0">
+              <a:solidFill>
+                <a:schemeClr val="tx1"/>
+              </a:solidFill>
+            </a:endParaRPr>
+          </a:p>
+        </p:txBody>
+      </p:sp>
+      <p:sp>
+        <p:nvSpPr>
+          <p:cNvPr id="33" name="다이아몬드 32"/>
           <p:cNvSpPr/>
           <p:nvPr/>
         </p:nvSpPr>
         <p:spPr>
           <a:xfrm>
-            <a:off x="1500329" y="2221407"/>
-            <a:ext cx="338978" cy="288032"/>
-          </a:xfrm>
-          <a:prstGeom prst="rect">
+            <a:off x="4231973" y="1023310"/>
+            <a:ext cx="1226860" cy="608688"/>
+          </a:xfrm>
+          <a:prstGeom prst="diamond">
             <a:avLst/>
           </a:prstGeom>
           <a:solidFill>
-            <a:schemeClr val="bg2"/>
+            <a:schemeClr val="tx2"/>
           </a:solidFill>
           <a:ln>
             <a:solidFill>
-              <a:schemeClr val="bg1"/>
+              <a:schemeClr val="tx1">
+                <a:lumMod val="95000"/>
+                <a:lumOff val="5000"/>
+              </a:schemeClr>
             </a:solidFill>
           </a:ln>
         </p:spPr>
@@ -4968,41 +4794,33 @@
           <a:p>
             <a:pPr algn="ctr"/>
             <a:r>
-              <a:rPr lang="en-US" altLang="ko-KR" sz="1600" dirty="0" smtClean="0">
-                <a:solidFill>
-                  <a:schemeClr val="tx1"/>
-                </a:solidFill>
-              </a:rPr>
-              <a:t>N</a:t>
-            </a:r>
-            <a:endParaRPr lang="ko-KR" altLang="en-US" sz="1600" dirty="0">
-              <a:solidFill>
-                <a:schemeClr val="tx1"/>
-              </a:solidFill>
-            </a:endParaRPr>
-          </a:p>
-        </p:txBody>
-      </p:sp>
-      <p:sp>
-        <p:nvSpPr>
-          <p:cNvPr id="89" name="직사각형 88"/>
+              <a:rPr lang="ko-KR" altLang="en-US" sz="1200" dirty="0" smtClean="0"/>
+              <a:t>강의</a:t>
+            </a:r>
+            <a:endParaRPr lang="en-US" altLang="ko-KR" sz="1200" dirty="0" smtClean="0"/>
+          </a:p>
+        </p:txBody>
+      </p:sp>
+      <p:sp>
+        <p:nvSpPr>
+          <p:cNvPr id="18" name="직사각형 17"/>
           <p:cNvSpPr/>
           <p:nvPr/>
         </p:nvSpPr>
         <p:spPr>
           <a:xfrm>
-            <a:off x="2975986" y="3478212"/>
-            <a:ext cx="338978" cy="288032"/>
+            <a:off x="1493955" y="1090816"/>
+            <a:ext cx="1071586" cy="468819"/>
           </a:xfrm>
           <a:prstGeom prst="rect">
             <a:avLst/>
           </a:prstGeom>
           <a:solidFill>
-            <a:schemeClr val="bg2"/>
+            <a:schemeClr val="accent1"/>
           </a:solidFill>
           <a:ln>
             <a:solidFill>
-              <a:schemeClr val="bg1"/>
+              <a:schemeClr val="tx1"/>
             </a:solidFill>
           </a:ln>
         </p:spPr>
@@ -5028,16 +4846,16 @@
           <a:p>
             <a:pPr algn="ctr"/>
             <a:r>
-              <a:rPr lang="en-US" altLang="ko-KR" sz="1600" dirty="0" smtClean="0">
+              <a:rPr lang="ko-KR" altLang="en-US" sz="1200" dirty="0" smtClean="0">
                 <a:solidFill>
-                  <a:schemeClr val="tx1"/>
+                  <a:schemeClr val="bg1"/>
                 </a:solidFill>
               </a:rPr>
-              <a:t>M</a:t>
-            </a:r>
-            <a:endParaRPr lang="ko-KR" altLang="en-US" sz="1600" dirty="0">
+              <a:t>과 목</a:t>
+            </a:r>
+            <a:endParaRPr lang="en-US" altLang="ko-KR" sz="1200" dirty="0" smtClean="0">
               <a:solidFill>
-                <a:schemeClr val="tx1"/>
+                <a:schemeClr val="bg1"/>
               </a:solidFill>
             </a:endParaRPr>
           </a:p>
@@ -5045,24 +4863,27 @@
       </p:sp>
       <p:sp>
         <p:nvSpPr>
-          <p:cNvPr id="92" name="직사각형 91"/>
+          <p:cNvPr id="27" name="다이아몬드 26"/>
           <p:cNvSpPr/>
           <p:nvPr/>
         </p:nvSpPr>
         <p:spPr>
           <a:xfrm>
-            <a:off x="2851104" y="1084551"/>
-            <a:ext cx="338978" cy="288032"/>
-          </a:xfrm>
-          <a:prstGeom prst="rect">
+            <a:off x="2207412" y="4287867"/>
+            <a:ext cx="1226860" cy="608688"/>
+          </a:xfrm>
+          <a:prstGeom prst="diamond">
             <a:avLst/>
           </a:prstGeom>
           <a:solidFill>
-            <a:schemeClr val="bg2"/>
+            <a:schemeClr val="tx2"/>
           </a:solidFill>
           <a:ln>
             <a:solidFill>
-              <a:schemeClr val="bg1"/>
+              <a:schemeClr val="tx1">
+                <a:lumMod val="95000"/>
+                <a:lumOff val="5000"/>
+              </a:schemeClr>
             </a:solidFill>
           </a:ln>
         </p:spPr>
@@ -5088,325 +4909,17 @@
           <a:p>
             <a:pPr algn="ctr"/>
             <a:r>
-              <a:rPr lang="en-US" altLang="ko-KR" sz="1600" dirty="0" smtClean="0">
-                <a:solidFill>
-                  <a:schemeClr val="tx1"/>
-                </a:solidFill>
-              </a:rPr>
-              <a:t>M</a:t>
-            </a:r>
-            <a:endParaRPr lang="ko-KR" altLang="en-US" sz="1600" dirty="0">
-              <a:solidFill>
-                <a:schemeClr val="tx1"/>
-              </a:solidFill>
-            </a:endParaRPr>
-          </a:p>
-        </p:txBody>
-      </p:sp>
-      <p:sp>
-        <p:nvSpPr>
-          <p:cNvPr id="94" name="직사각형 93"/>
-          <p:cNvSpPr/>
-          <p:nvPr/>
-        </p:nvSpPr>
-        <p:spPr>
-          <a:xfrm>
-            <a:off x="5484395" y="1089997"/>
-            <a:ext cx="338978" cy="288032"/>
-          </a:xfrm>
-          <a:prstGeom prst="rect">
-            <a:avLst/>
-          </a:prstGeom>
-          <a:solidFill>
-            <a:schemeClr val="bg2"/>
-          </a:solidFill>
-          <a:ln>
-            <a:solidFill>
-              <a:schemeClr val="bg1"/>
-            </a:solidFill>
-          </a:ln>
-        </p:spPr>
-        <p:style>
-          <a:lnRef idx="2">
-            <a:schemeClr val="accent1">
-              <a:shade val="50000"/>
-            </a:schemeClr>
-          </a:lnRef>
-          <a:fillRef idx="1">
-            <a:schemeClr val="accent1"/>
-          </a:fillRef>
-          <a:effectRef idx="0">
-            <a:schemeClr val="accent1"/>
-          </a:effectRef>
-          <a:fontRef idx="minor">
-            <a:schemeClr val="lt1"/>
-          </a:fontRef>
-        </p:style>
-        <p:txBody>
-          <a:bodyPr rtlCol="0" anchor="ctr"/>
-          <a:lstStyle/>
-          <a:p>
-            <a:pPr algn="ctr"/>
-            <a:r>
-              <a:rPr lang="en-US" altLang="ko-KR" sz="1600" dirty="0" smtClean="0">
-                <a:solidFill>
-                  <a:schemeClr val="tx1"/>
-                </a:solidFill>
-              </a:rPr>
-              <a:t>N</a:t>
-            </a:r>
-            <a:endParaRPr lang="ko-KR" altLang="en-US" sz="1600" dirty="0">
-              <a:solidFill>
-                <a:schemeClr val="tx1"/>
-              </a:solidFill>
-            </a:endParaRPr>
-          </a:p>
-        </p:txBody>
-      </p:sp>
-      <p:sp>
-        <p:nvSpPr>
-          <p:cNvPr id="95" name="직사각형 94"/>
-          <p:cNvSpPr/>
-          <p:nvPr/>
-        </p:nvSpPr>
-        <p:spPr>
-          <a:xfrm>
-            <a:off x="6978255" y="2182327"/>
-            <a:ext cx="338978" cy="288032"/>
-          </a:xfrm>
-          <a:prstGeom prst="rect">
-            <a:avLst/>
-          </a:prstGeom>
-          <a:solidFill>
-            <a:schemeClr val="bg2"/>
-          </a:solidFill>
-          <a:ln>
-            <a:solidFill>
-              <a:schemeClr val="bg1"/>
-            </a:solidFill>
-          </a:ln>
-        </p:spPr>
-        <p:style>
-          <a:lnRef idx="2">
-            <a:schemeClr val="accent1">
-              <a:shade val="50000"/>
-            </a:schemeClr>
-          </a:lnRef>
-          <a:fillRef idx="1">
-            <a:schemeClr val="accent1"/>
-          </a:fillRef>
-          <a:effectRef idx="0">
-            <a:schemeClr val="accent1"/>
-          </a:effectRef>
-          <a:fontRef idx="minor">
-            <a:schemeClr val="lt1"/>
-          </a:fontRef>
-        </p:style>
-        <p:txBody>
-          <a:bodyPr rtlCol="0" anchor="ctr"/>
-          <a:lstStyle/>
-          <a:p>
-            <a:pPr algn="ctr"/>
-            <a:r>
-              <a:rPr lang="en-US" altLang="ko-KR" sz="1600" dirty="0" smtClean="0">
-                <a:solidFill>
-                  <a:schemeClr val="tx1"/>
-                </a:solidFill>
-              </a:rPr>
-              <a:t>1</a:t>
-            </a:r>
-            <a:endParaRPr lang="ko-KR" altLang="en-US" sz="1600" dirty="0">
-              <a:solidFill>
-                <a:schemeClr val="tx1"/>
-              </a:solidFill>
-            </a:endParaRPr>
-          </a:p>
-        </p:txBody>
-      </p:sp>
-      <p:sp>
-        <p:nvSpPr>
-          <p:cNvPr id="96" name="직사각형 95"/>
-          <p:cNvSpPr/>
-          <p:nvPr/>
-        </p:nvSpPr>
-        <p:spPr>
-          <a:xfrm>
-            <a:off x="3980224" y="4114999"/>
-            <a:ext cx="338978" cy="288032"/>
-          </a:xfrm>
-          <a:prstGeom prst="rect">
-            <a:avLst/>
-          </a:prstGeom>
-          <a:solidFill>
-            <a:schemeClr val="bg2"/>
-          </a:solidFill>
-          <a:ln>
-            <a:solidFill>
-              <a:schemeClr val="bg1"/>
-            </a:solidFill>
-          </a:ln>
-        </p:spPr>
-        <p:style>
-          <a:lnRef idx="2">
-            <a:schemeClr val="accent1">
-              <a:shade val="50000"/>
-            </a:schemeClr>
-          </a:lnRef>
-          <a:fillRef idx="1">
-            <a:schemeClr val="accent1"/>
-          </a:fillRef>
-          <a:effectRef idx="0">
-            <a:schemeClr val="accent1"/>
-          </a:effectRef>
-          <a:fontRef idx="minor">
-            <a:schemeClr val="lt1"/>
-          </a:fontRef>
-        </p:style>
-        <p:txBody>
-          <a:bodyPr rtlCol="0" anchor="ctr"/>
-          <a:lstStyle/>
-          <a:p>
-            <a:pPr algn="ctr"/>
-            <a:r>
-              <a:rPr lang="en-US" altLang="ko-KR" sz="1600" dirty="0" smtClean="0">
-                <a:solidFill>
-                  <a:schemeClr val="tx1"/>
-                </a:solidFill>
-              </a:rPr>
-              <a:t>N</a:t>
-            </a:r>
-            <a:endParaRPr lang="ko-KR" altLang="en-US" sz="1600" dirty="0">
-              <a:solidFill>
-                <a:schemeClr val="tx1"/>
-              </a:solidFill>
-            </a:endParaRPr>
-          </a:p>
-        </p:txBody>
-      </p:sp>
-      <p:sp>
-        <p:nvSpPr>
-          <p:cNvPr id="97" name="직사각형 96"/>
-          <p:cNvSpPr/>
-          <p:nvPr/>
-        </p:nvSpPr>
-        <p:spPr>
-          <a:xfrm>
-            <a:off x="5686210" y="4695697"/>
-            <a:ext cx="338978" cy="288032"/>
-          </a:xfrm>
-          <a:prstGeom prst="rect">
-            <a:avLst/>
-          </a:prstGeom>
-          <a:solidFill>
-            <a:schemeClr val="bg2"/>
-          </a:solidFill>
-          <a:ln>
-            <a:solidFill>
-              <a:schemeClr val="bg1"/>
-            </a:solidFill>
-          </a:ln>
-        </p:spPr>
-        <p:style>
-          <a:lnRef idx="2">
-            <a:schemeClr val="accent1">
-              <a:shade val="50000"/>
-            </a:schemeClr>
-          </a:lnRef>
-          <a:fillRef idx="1">
-            <a:schemeClr val="accent1"/>
-          </a:fillRef>
-          <a:effectRef idx="0">
-            <a:schemeClr val="accent1"/>
-          </a:effectRef>
-          <a:fontRef idx="minor">
-            <a:schemeClr val="lt1"/>
-          </a:fontRef>
-        </p:style>
-        <p:txBody>
-          <a:bodyPr rtlCol="0" anchor="ctr"/>
-          <a:lstStyle/>
-          <a:p>
-            <a:pPr algn="ctr"/>
-            <a:r>
-              <a:rPr lang="en-US" altLang="ko-KR" sz="1600" dirty="0" smtClean="0">
-                <a:solidFill>
-                  <a:schemeClr val="tx1"/>
-                </a:solidFill>
-              </a:rPr>
-              <a:t>M</a:t>
-            </a:r>
-            <a:endParaRPr lang="ko-KR" altLang="en-US" sz="1600" dirty="0">
-              <a:solidFill>
-                <a:schemeClr val="tx1"/>
-              </a:solidFill>
-            </a:endParaRPr>
-          </a:p>
-        </p:txBody>
-      </p:sp>
-      <p:sp>
-        <p:nvSpPr>
-          <p:cNvPr id="98" name="직사각형 97"/>
-          <p:cNvSpPr/>
-          <p:nvPr/>
-        </p:nvSpPr>
-        <p:spPr>
-          <a:xfrm>
-            <a:off x="5354933" y="3478212"/>
-            <a:ext cx="338978" cy="288032"/>
-          </a:xfrm>
-          <a:prstGeom prst="rect">
-            <a:avLst/>
-          </a:prstGeom>
-          <a:solidFill>
-            <a:schemeClr val="bg2"/>
-          </a:solidFill>
-          <a:ln>
-            <a:solidFill>
-              <a:schemeClr val="bg1"/>
-            </a:solidFill>
-          </a:ln>
-        </p:spPr>
-        <p:style>
-          <a:lnRef idx="2">
-            <a:schemeClr val="accent1">
-              <a:shade val="50000"/>
-            </a:schemeClr>
-          </a:lnRef>
-          <a:fillRef idx="1">
-            <a:schemeClr val="accent1"/>
-          </a:fillRef>
-          <a:effectRef idx="0">
-            <a:schemeClr val="accent1"/>
-          </a:effectRef>
-          <a:fontRef idx="minor">
-            <a:schemeClr val="lt1"/>
-          </a:fontRef>
-        </p:style>
-        <p:txBody>
-          <a:bodyPr rtlCol="0" anchor="ctr"/>
-          <a:lstStyle/>
-          <a:p>
-            <a:pPr algn="ctr"/>
-            <a:r>
-              <a:rPr lang="en-US" altLang="ko-KR" sz="1600" dirty="0" smtClean="0">
-                <a:solidFill>
-                  <a:schemeClr val="tx1"/>
-                </a:solidFill>
-              </a:rPr>
-              <a:t>N</a:t>
-            </a:r>
-            <a:endParaRPr lang="ko-KR" altLang="en-US" sz="1600" dirty="0">
-              <a:solidFill>
-                <a:schemeClr val="tx1"/>
-              </a:solidFill>
-            </a:endParaRPr>
+              <a:rPr lang="ko-KR" altLang="en-US" sz="1200" dirty="0" smtClean="0"/>
+              <a:t>졸업</a:t>
+            </a:r>
+            <a:endParaRPr lang="en-US" altLang="ko-KR" sz="1200" dirty="0" smtClean="0"/>
           </a:p>
         </p:txBody>
       </p:sp>
     </p:spTree>
     <p:extLst>
       <p:ext uri="{BB962C8B-B14F-4D97-AF65-F5344CB8AC3E}">
-        <p14:creationId xmlns:p14="http://schemas.microsoft.com/office/powerpoint/2010/main" val="1631359844"/>
+        <p14:creationId xmlns:p14="http://schemas.microsoft.com/office/powerpoint/2010/main" val="2170843445"/>
       </p:ext>
     </p:extLst>
   </p:cSld>
